--- a/Bloque IV. ML/IV.5. Métodos Avanzados.pptx
+++ b/Bloque IV. ML/IV.5. Métodos Avanzados.pptx
@@ -225,7 +225,7 @@
             <a:fld id="{B3E16CF3-8537-4774-A9FC-A2A5296655A0}" type="datetimeFigureOut">
               <a:rPr lang="es-ES" smtClean="0"/>
               <a:pPr/>
-              <a:t>21/06/2018</a:t>
+              <a:t>27/06/2018</a:t>
             </a:fld>
             <a:endParaRPr lang="es-ES"/>
           </a:p>
@@ -678,7 +678,7 @@
             <a:fld id="{7A847CFC-816F-41D0-AAC0-9BF4FEBC753E}" type="datetimeFigureOut">
               <a:rPr lang="es-ES" smtClean="0"/>
               <a:pPr/>
-              <a:t>21/06/2018</a:t>
+              <a:t>27/06/2018</a:t>
             </a:fld>
             <a:endParaRPr lang="es-ES"/>
           </a:p>
@@ -845,7 +845,7 @@
             <a:fld id="{7A847CFC-816F-41D0-AAC0-9BF4FEBC753E}" type="datetimeFigureOut">
               <a:rPr lang="es-ES" smtClean="0"/>
               <a:pPr/>
-              <a:t>21/06/2018</a:t>
+              <a:t>27/06/2018</a:t>
             </a:fld>
             <a:endParaRPr lang="es-ES"/>
           </a:p>
@@ -1022,7 +1022,7 @@
             <a:fld id="{7A847CFC-816F-41D0-AAC0-9BF4FEBC753E}" type="datetimeFigureOut">
               <a:rPr lang="es-ES" smtClean="0"/>
               <a:pPr/>
-              <a:t>21/06/2018</a:t>
+              <a:t>27/06/2018</a:t>
             </a:fld>
             <a:endParaRPr lang="es-ES"/>
           </a:p>
@@ -1189,7 +1189,7 @@
             <a:fld id="{7A847CFC-816F-41D0-AAC0-9BF4FEBC753E}" type="datetimeFigureOut">
               <a:rPr lang="es-ES" smtClean="0"/>
               <a:pPr/>
-              <a:t>21/06/2018</a:t>
+              <a:t>27/06/2018</a:t>
             </a:fld>
             <a:endParaRPr lang="es-ES"/>
           </a:p>
@@ -1432,7 +1432,7 @@
             <a:fld id="{7A847CFC-816F-41D0-AAC0-9BF4FEBC753E}" type="datetimeFigureOut">
               <a:rPr lang="es-ES" smtClean="0"/>
               <a:pPr/>
-              <a:t>21/06/2018</a:t>
+              <a:t>27/06/2018</a:t>
             </a:fld>
             <a:endParaRPr lang="es-ES"/>
           </a:p>
@@ -1717,7 +1717,7 @@
             <a:fld id="{7A847CFC-816F-41D0-AAC0-9BF4FEBC753E}" type="datetimeFigureOut">
               <a:rPr lang="es-ES" smtClean="0"/>
               <a:pPr/>
-              <a:t>21/06/2018</a:t>
+              <a:t>27/06/2018</a:t>
             </a:fld>
             <a:endParaRPr lang="es-ES"/>
           </a:p>
@@ -2136,7 +2136,7 @@
             <a:fld id="{7A847CFC-816F-41D0-AAC0-9BF4FEBC753E}" type="datetimeFigureOut">
               <a:rPr lang="es-ES" smtClean="0"/>
               <a:pPr/>
-              <a:t>21/06/2018</a:t>
+              <a:t>27/06/2018</a:t>
             </a:fld>
             <a:endParaRPr lang="es-ES"/>
           </a:p>
@@ -2251,7 +2251,7 @@
             <a:fld id="{7A847CFC-816F-41D0-AAC0-9BF4FEBC753E}" type="datetimeFigureOut">
               <a:rPr lang="es-ES" smtClean="0"/>
               <a:pPr/>
-              <a:t>21/06/2018</a:t>
+              <a:t>27/06/2018</a:t>
             </a:fld>
             <a:endParaRPr lang="es-ES"/>
           </a:p>
@@ -2343,7 +2343,7 @@
             <a:fld id="{7A847CFC-816F-41D0-AAC0-9BF4FEBC753E}" type="datetimeFigureOut">
               <a:rPr lang="es-ES" smtClean="0"/>
               <a:pPr/>
-              <a:t>21/06/2018</a:t>
+              <a:t>27/06/2018</a:t>
             </a:fld>
             <a:endParaRPr lang="es-ES"/>
           </a:p>
@@ -2617,7 +2617,7 @@
             <a:fld id="{7A847CFC-816F-41D0-AAC0-9BF4FEBC753E}" type="datetimeFigureOut">
               <a:rPr lang="es-ES" smtClean="0"/>
               <a:pPr/>
-              <a:t>21/06/2018</a:t>
+              <a:t>27/06/2018</a:t>
             </a:fld>
             <a:endParaRPr lang="es-ES"/>
           </a:p>
@@ -2867,7 +2867,7 @@
             <a:fld id="{7A847CFC-816F-41D0-AAC0-9BF4FEBC753E}" type="datetimeFigureOut">
               <a:rPr lang="es-ES" smtClean="0"/>
               <a:pPr/>
-              <a:t>21/06/2018</a:t>
+              <a:t>27/06/2018</a:t>
             </a:fld>
             <a:endParaRPr lang="es-ES"/>
           </a:p>
@@ -3077,7 +3077,7 @@
             <a:fld id="{7A847CFC-816F-41D0-AAC0-9BF4FEBC753E}" type="datetimeFigureOut">
               <a:rPr lang="es-ES" smtClean="0"/>
               <a:pPr/>
-              <a:t>21/06/2018</a:t>
+              <a:t>27/06/2018</a:t>
             </a:fld>
             <a:endParaRPr lang="es-ES"/>
           </a:p>
@@ -3634,11 +3634,7 @@
           <a:p>
             <a:r>
               <a:rPr lang="es-ES" dirty="0" smtClean="0"/>
-              <a:t>Necesidad de coordinar aprendizajes </a:t>
-            </a:r>
-            <a:r>
-              <a:rPr lang="es-ES" dirty="0" smtClean="0"/>
-              <a:t>independientes</a:t>
+              <a:t>Necesidad de coordinar aprendizajes independientes</a:t>
             </a:r>
           </a:p>
           <a:p>
@@ -3650,7 +3646,6 @@
               <a:rPr lang="es-ES" b="1" dirty="0" smtClean="0"/>
               <a:t>Transferencia de Aprendizaje</a:t>
             </a:r>
-            <a:endParaRPr lang="es-ES" b="1" dirty="0" smtClean="0"/>
           </a:p>
           <a:p>
             <a:r>
@@ -3784,7 +3779,7 @@
         <p:spPr>
           <a:xfrm>
             <a:off x="609600" y="1484784"/>
-            <a:ext cx="10972800" cy="4997151"/>
+            <a:ext cx="10972800" cy="4896544"/>
           </a:xfrm>
         </p:spPr>
         <p:txBody>
@@ -3795,29 +3790,41 @@
           <a:p>
             <a:r>
               <a:rPr lang="es-ES" dirty="0" smtClean="0"/>
-              <a:t>Originalmente basado en </a:t>
+              <a:t>Originalmente basado </a:t>
+            </a:r>
+            <a:r>
+              <a:rPr lang="es-ES" dirty="0" smtClean="0"/>
+              <a:t>en Redes </a:t>
             </a:r>
             <a:br>
               <a:rPr lang="es-ES" dirty="0" smtClean="0"/>
             </a:br>
             <a:r>
               <a:rPr lang="es-ES" dirty="0" smtClean="0"/>
-              <a:t>Redes Neuronales:</a:t>
-            </a:r>
+              <a:t>Neuronales:</a:t>
+            </a:r>
+            <a:endParaRPr lang="es-ES" dirty="0" smtClean="0"/>
           </a:p>
           <a:p>
             <a:pPr lvl="1"/>
             <a:r>
               <a:rPr lang="es-ES" dirty="0" smtClean="0"/>
-              <a:t>El término Deep </a:t>
-            </a:r>
-            <a:r>
-              <a:rPr lang="es-ES" dirty="0" smtClean="0"/>
-              <a:t>hace alusión a </a:t>
-            </a:r>
-            <a:r>
-              <a:rPr lang="es-ES" dirty="0" smtClean="0"/>
-              <a:t>la profundidad de capas ocultas con las que trabajar</a:t>
+              <a:t>El término Deep hace alusión a la </a:t>
+            </a:r>
+            <a:r>
+              <a:rPr lang="es-ES" dirty="0" smtClean="0"/>
+              <a:t/>
+            </a:r>
+            <a:br>
+              <a:rPr lang="es-ES" dirty="0" smtClean="0"/>
+            </a:br>
+            <a:r>
+              <a:rPr lang="es-ES" dirty="0" smtClean="0"/>
+              <a:t>profundidad </a:t>
+            </a:r>
+            <a:r>
+              <a:rPr lang="es-ES" dirty="0" smtClean="0"/>
+              <a:t>de capas ocultas con las que trabajar</a:t>
             </a:r>
           </a:p>
           <a:p>
@@ -3845,7 +3852,7 @@
       </p:sp>
       <p:pic>
         <p:nvPicPr>
-          <p:cNvPr id="10244" name="Picture 4" descr="https://devblogs.nvidia.com/wp-content/uploads/2014/09/nn_example-624x218.png"/>
+          <p:cNvPr id="3076" name="Picture 4" descr="Resultado de imagen para deep learning"/>
           <p:cNvPicPr>
             <a:picLocks noChangeAspect="1" noChangeArrowheads="1"/>
           </p:cNvPicPr>
@@ -3866,8 +3873,8 @@
         </p:blipFill>
         <p:spPr bwMode="auto">
           <a:xfrm>
-            <a:off x="5447928" y="156826"/>
-            <a:ext cx="6537960" cy="2284095"/>
+            <a:off x="6241885" y="81924"/>
+            <a:ext cx="5830780" cy="2987036"/>
           </a:xfrm>
           <a:prstGeom prst="rect">
             <a:avLst/>
@@ -3971,7 +3978,7 @@
         </p:spPr>
         <p:txBody>
           <a:bodyPr>
-            <a:normAutofit lnSpcReduction="10000"/>
+            <a:normAutofit fontScale="92500"/>
           </a:bodyPr>
           <a:lstStyle/>
           <a:p>
@@ -3992,7 +3999,22 @@
             <a:pPr lvl="1"/>
             <a:r>
               <a:rPr lang="es-ES" dirty="0" smtClean="0"/>
-              <a:t>busca no depender de una representación prefijada, </a:t>
+              <a:t>busca no depender de una </a:t>
+            </a:r>
+            <a:r>
+              <a:rPr lang="es-ES" dirty="0" smtClean="0"/>
+              <a:t>representación </a:t>
+            </a:r>
+            <a:br>
+              <a:rPr lang="es-ES" dirty="0" smtClean="0"/>
+            </a:br>
+            <a:r>
+              <a:rPr lang="es-ES" dirty="0" smtClean="0"/>
+              <a:t>prefijada</a:t>
+            </a:r>
+            <a:r>
+              <a:rPr lang="es-ES" dirty="0" smtClean="0"/>
+              <a:t>, </a:t>
             </a:r>
           </a:p>
           <a:p>
@@ -4041,14 +4063,14 @@
       </p:sp>
       <p:pic>
         <p:nvPicPr>
-          <p:cNvPr id="11266" name="Picture 2" descr="http://deconceptos.com/wp-content/uploads/2014/02/concepto-de-perspicacia.jpg"/>
+          <p:cNvPr id="5" name="Picture 2" descr="Resultado de imagen para deep learning"/>
           <p:cNvPicPr>
             <a:picLocks noChangeAspect="1" noChangeArrowheads="1"/>
           </p:cNvPicPr>
           <p:nvPr/>
         </p:nvPicPr>
         <p:blipFill>
-          <a:blip r:embed="rId2">
+          <a:blip r:embed="rId2" cstate="print">
             <a:extLst>
               <a:ext uri="{28A0092B-C50C-407E-A947-70E740481C1C}">
                 <a14:useLocalDpi xmlns:a14="http://schemas.microsoft.com/office/drawing/2010/main" val="0"/>
@@ -4062,8 +4084,8 @@
         </p:blipFill>
         <p:spPr bwMode="auto">
           <a:xfrm>
-            <a:off x="9641507" y="620688"/>
-            <a:ext cx="2143125" cy="2143125"/>
+            <a:off x="7502862" y="98086"/>
+            <a:ext cx="4689137" cy="2394810"/>
           </a:xfrm>
           <a:prstGeom prst="rect">
             <a:avLst/>
@@ -4173,44 +4195,96 @@
         <p:spPr>
           <a:xfrm>
             <a:off x="609600" y="1600201"/>
-            <a:ext cx="7574632" cy="4925143"/>
+            <a:ext cx="11319048" cy="5069159"/>
           </a:xfrm>
         </p:spPr>
         <p:txBody>
           <a:bodyPr>
-            <a:normAutofit/>
+            <a:normAutofit lnSpcReduction="10000"/>
           </a:bodyPr>
           <a:lstStyle/>
           <a:p>
             <a:r>
               <a:rPr lang="es-ES" dirty="0" smtClean="0"/>
-              <a:t>Analicemos qué pasa si buscamos que la salida de una red sea exacta a la entrada… (sobre un conjunto de datos limitado)</a:t>
-            </a:r>
-          </a:p>
-          <a:p>
-            <a:r>
-              <a:rPr lang="es-ES" dirty="0" smtClean="0"/>
-              <a:t>Y ahora además pongamos varias capas </a:t>
+              <a:t>Analicemos qué pasa si buscamos que </a:t>
+            </a:r>
+            <a:r>
+              <a:rPr lang="es-ES" dirty="0" smtClean="0"/>
+              <a:t>la salida </a:t>
+            </a:r>
+            <a:r>
+              <a:rPr lang="es-ES" dirty="0" smtClean="0"/>
+              <a:t>de una red sea exacta a la entrada… (sobre un conjunto de datos </a:t>
+            </a:r>
+            <a:r>
+              <a:rPr lang="es-ES" dirty="0" smtClean="0"/>
+              <a:t>limitado)</a:t>
+            </a:r>
+          </a:p>
+          <a:p>
+            <a:endParaRPr lang="es-ES" dirty="0" smtClean="0"/>
+          </a:p>
+          <a:p>
+            <a:r>
+              <a:rPr lang="es-ES" dirty="0" smtClean="0"/>
+              <a:t>Y </a:t>
+            </a:r>
+            <a:r>
+              <a:rPr lang="es-ES" dirty="0" smtClean="0"/>
+              <a:t>ahora además pongamos </a:t>
+            </a:r>
+            <a:r>
+              <a:rPr lang="es-ES" dirty="0" smtClean="0"/>
+              <a:t/>
             </a:r>
             <a:br>
               <a:rPr lang="es-ES" dirty="0" smtClean="0"/>
             </a:br>
             <a:r>
               <a:rPr lang="es-ES" dirty="0" smtClean="0"/>
-              <a:t>en medio, con distintos tamaños…</a:t>
-            </a:r>
-          </a:p>
-          <a:p>
-            <a:r>
-              <a:rPr lang="es-ES" dirty="0" smtClean="0"/>
-              <a:t>Si se consigue calcular la salida correctamente… ¿qué ha pasado en medio de la red?, ¿qué información dan los valores calculados en las capas intermedias?</a:t>
+              <a:t>varias capas en </a:t>
+            </a:r>
+            <a:r>
+              <a:rPr lang="es-ES" dirty="0" smtClean="0"/>
+              <a:t>medio, con </a:t>
+            </a:r>
+            <a:r>
+              <a:rPr lang="es-ES" dirty="0" smtClean="0"/>
+              <a:t/>
+            </a:r>
+            <a:br>
+              <a:rPr lang="es-ES" dirty="0" smtClean="0"/>
+            </a:br>
+            <a:r>
+              <a:rPr lang="es-ES" dirty="0" smtClean="0"/>
+              <a:t>distintos tamaños</a:t>
+            </a:r>
+            <a:r>
+              <a:rPr lang="es-ES" dirty="0" smtClean="0"/>
+              <a:t>…</a:t>
+            </a:r>
+          </a:p>
+          <a:p>
+            <a:pPr marL="0" indent="0">
+              <a:buNone/>
+            </a:pPr>
+            <a:endParaRPr lang="es-ES" dirty="0" smtClean="0"/>
+          </a:p>
+          <a:p>
+            <a:r>
+              <a:rPr lang="es-ES" dirty="0" smtClean="0"/>
+              <a:t>Si </a:t>
+            </a:r>
+            <a:r>
+              <a:rPr lang="es-ES" dirty="0" smtClean="0"/>
+              <a:t>se consigue calcular la salida correctamente… ¿qué ha pasado en medio de la red?, ¿qué información dan los valores calculados en las capas intermedias?</a:t>
             </a:r>
           </a:p>
         </p:txBody>
       </p:sp>
       <p:pic>
         <p:nvPicPr>
-          <p:cNvPr id="1026" name="Picture 2" descr="https://deeplearning4j.org/img/deep_autoencoder.png"/>
+          <p:cNvPr id="5122" name="Picture 2" descr="Resultado de imagen para autoencoder"/>
           <p:cNvPicPr>
             <a:picLocks noChangeAspect="1" noChangeArrowheads="1"/>
           </p:cNvPicPr>
@@ -4218,16 +4292,6 @@
         </p:nvPicPr>
         <p:blipFill>
           <a:blip r:embed="rId2">
-            <a:clrChange>
-              <a:clrFrom>
-                <a:srgbClr val="FFFFFF"/>
-              </a:clrFrom>
-              <a:clrTo>
-                <a:srgbClr val="FFFFFF">
-                  <a:alpha val="0"/>
-                </a:srgbClr>
-              </a:clrTo>
-            </a:clrChange>
             <a:extLst>
               <a:ext uri="{28A0092B-C50C-407E-A947-70E740481C1C}">
                 <a14:useLocalDpi xmlns:a14="http://schemas.microsoft.com/office/drawing/2010/main" val="0"/>
@@ -4241,8 +4305,8 @@
         </p:blipFill>
         <p:spPr bwMode="auto">
           <a:xfrm>
-            <a:off x="7032104" y="1968598"/>
-            <a:ext cx="5143500" cy="3476626"/>
+            <a:off x="5663952" y="2636912"/>
+            <a:ext cx="6336704" cy="2461066"/>
           </a:xfrm>
           <a:prstGeom prst="rect">
             <a:avLst/>
@@ -4531,7 +4595,7 @@
       </p:sp>
       <p:pic>
         <p:nvPicPr>
-          <p:cNvPr id="8194" name="Picture 2" descr="http://image.slidesharecdn.com/ensemblelearning-120730220523-phpapp02/95/ensemble-learning-the-wisdom-of-crowds-of-machines-47-728.jpg?cb=1343685993"/>
+          <p:cNvPr id="1026" name="Picture 2" descr="modelstacking.png (519Ã393)"/>
           <p:cNvPicPr>
             <a:picLocks noChangeAspect="1" noChangeArrowheads="1"/>
           </p:cNvPicPr>
@@ -4552,8 +4616,49 @@
         </p:blipFill>
         <p:spPr bwMode="auto">
           <a:xfrm>
-            <a:off x="7285669" y="3182657"/>
-            <a:ext cx="4897800" cy="3673351"/>
+            <a:off x="7129189" y="980728"/>
+            <a:ext cx="4943475" cy="3743325"/>
+          </a:xfrm>
+          <a:prstGeom prst="rect">
+            <a:avLst/>
+          </a:prstGeom>
+          <a:noFill/>
+          <a:extLst>
+            <a:ext uri="{909E8E84-426E-40DD-AFC4-6F175D3DCCD1}">
+              <a14:hiddenFill xmlns:a14="http://schemas.microsoft.com/office/drawing/2010/main">
+                <a:solidFill>
+                  <a:srgbClr val="FFFFFF"/>
+                </a:solidFill>
+              </a14:hiddenFill>
+            </a:ext>
+          </a:extLst>
+        </p:spPr>
+      </p:pic>
+      <p:pic>
+        <p:nvPicPr>
+          <p:cNvPr id="1028" name="Picture 4" descr="Resultado de imagen para deep learning"/>
+          <p:cNvPicPr>
+            <a:picLocks noChangeAspect="1" noChangeArrowheads="1"/>
+          </p:cNvPicPr>
+          <p:nvPr/>
+        </p:nvPicPr>
+        <p:blipFill>
+          <a:blip r:embed="rId3">
+            <a:extLst>
+              <a:ext uri="{28A0092B-C50C-407E-A947-70E740481C1C}">
+                <a14:useLocalDpi xmlns:a14="http://schemas.microsoft.com/office/drawing/2010/main" val="0"/>
+              </a:ext>
+            </a:extLst>
+          </a:blip>
+          <a:srcRect/>
+          <a:stretch>
+            <a:fillRect/>
+          </a:stretch>
+        </p:blipFill>
+        <p:spPr bwMode="auto">
+          <a:xfrm flipV="1">
+            <a:off x="1282688" y="4149080"/>
+            <a:ext cx="4860305" cy="1824375"/>
           </a:xfrm>
           <a:prstGeom prst="rect">
             <a:avLst/>
@@ -4673,13 +4778,13 @@
       </p:sp>
       <p:pic>
         <p:nvPicPr>
-          <p:cNvPr id="1026" name="Picture 2" descr="http://cse-wiki.unl.edu/wiki/images/7/72/Screen_shot_2010-12-03_at_5.46.21_PM.png"/>
+          <p:cNvPr id="2050" name="Picture 2" descr="Imagen relacionada"/>
           <p:cNvPicPr>
             <a:picLocks noChangeAspect="1" noChangeArrowheads="1"/>
           </p:cNvPicPr>
           <p:nvPr/>
         </p:nvPicPr>
-        <p:blipFill>
+        <p:blipFill rotWithShape="1">
           <a:blip r:embed="rId2">
             <a:clrChange>
               <a:clrFrom>
@@ -4697,15 +4802,13 @@
               </a:ext>
             </a:extLst>
           </a:blip>
-          <a:srcRect/>
-          <a:stretch>
-            <a:fillRect/>
-          </a:stretch>
+          <a:srcRect t="19541"/>
+          <a:stretch/>
         </p:blipFill>
         <p:spPr bwMode="auto">
           <a:xfrm>
-            <a:off x="2559893" y="3036143"/>
-            <a:ext cx="6848475" cy="3705225"/>
+            <a:off x="4661745" y="2975916"/>
+            <a:ext cx="7122887" cy="3765452"/>
           </a:xfrm>
           <a:prstGeom prst="rect">
             <a:avLst/>
@@ -5338,8 +5441,8 @@
         </p:blipFill>
         <p:spPr bwMode="auto">
           <a:xfrm>
-            <a:off x="7392144" y="1988840"/>
-            <a:ext cx="4581525" cy="3438526"/>
+            <a:off x="6888088" y="1502449"/>
+            <a:ext cx="5229597" cy="3924917"/>
           </a:xfrm>
           <a:prstGeom prst="rect">
             <a:avLst/>
@@ -5850,8 +5953,8 @@
         </p:blipFill>
         <p:spPr bwMode="auto">
           <a:xfrm>
-            <a:off x="7104112" y="1171574"/>
-            <a:ext cx="4667250" cy="2257426"/>
+            <a:off x="6560659" y="1052736"/>
+            <a:ext cx="5210703" cy="2520280"/>
           </a:xfrm>
           <a:prstGeom prst="rect">
             <a:avLst/>
@@ -6215,20 +6318,12 @@
               <a:rPr lang="es-ES" sz="2800" dirty="0" smtClean="0"/>
               <a:t>… estamos en la </a:t>
             </a:r>
-            <a:r>
-              <a:rPr lang="es-ES" sz="2800" dirty="0" smtClean="0"/>
-              <a:t/>
-            </a:r>
             <a:br>
               <a:rPr lang="es-ES" sz="2800" dirty="0" smtClean="0"/>
             </a:br>
             <a:r>
               <a:rPr lang="es-ES" sz="2800" dirty="0" smtClean="0"/>
-              <a:t>cresta respecto </a:t>
-            </a:r>
-            <a:r>
-              <a:rPr lang="es-ES" sz="2800" dirty="0" smtClean="0"/>
-              <a:t>a algunas metodologías</a:t>
+              <a:t>cresta respecto a algunas metodologías</a:t>
             </a:r>
           </a:p>
           <a:p>
@@ -6263,30 +6358,18 @@
               <a:rPr lang="es-ES" sz="2800" dirty="0" smtClean="0"/>
               <a:t>Algunos modelos están lejos de </a:t>
             </a:r>
-            <a:r>
-              <a:rPr lang="es-ES" sz="2800" dirty="0" smtClean="0"/>
-              <a:t/>
-            </a:r>
             <a:br>
               <a:rPr lang="es-ES" sz="2800" dirty="0" smtClean="0"/>
             </a:br>
             <a:r>
               <a:rPr lang="es-ES" sz="2800" b="1" dirty="0" smtClean="0"/>
-              <a:t>entrenamientos en </a:t>
-            </a:r>
-            <a:r>
-              <a:rPr lang="es-ES" sz="2800" b="1" dirty="0" smtClean="0"/>
-              <a:t>tiempo real</a:t>
+              <a:t>entrenamientos en tiempo real</a:t>
             </a:r>
           </a:p>
           <a:p>
             <a:r>
               <a:rPr lang="es-ES" sz="2800" dirty="0" smtClean="0"/>
               <a:t>Algunos modelos no disponen de </a:t>
-            </a:r>
-            <a:r>
-              <a:rPr lang="es-ES" sz="2800" dirty="0" smtClean="0"/>
-              <a:t/>
             </a:r>
             <a:br>
               <a:rPr lang="es-ES" sz="2800" dirty="0" smtClean="0"/>
@@ -6301,15 +6384,7 @@
             </a:r>
             <a:r>
               <a:rPr lang="es-ES" sz="2800" dirty="0" smtClean="0"/>
-              <a:t> </a:t>
-            </a:r>
-            <a:r>
-              <a:rPr lang="es-ES" sz="2800" dirty="0" smtClean="0"/>
-              <a:t>de </a:t>
-            </a:r>
-            <a:r>
-              <a:rPr lang="es-ES" sz="2800" dirty="0" smtClean="0"/>
-              <a:t>entrenamiento</a:t>
+              <a:t> de entrenamiento</a:t>
             </a:r>
           </a:p>
         </p:txBody>
